--- a/ppt/first week.pptx
+++ b/ppt/first week.pptx
@@ -5631,7 +5631,7 @@
         </p:nvSpPr>
         <p:spPr>
           <a:xfrm>
-            <a:off x="2522220" y="2056130"/>
+            <a:off x="2512695" y="2045970"/>
             <a:ext cx="6869430" cy="2562860"/>
           </a:xfrm>
           <a:prstGeom prst="rect">
